--- a/IoT midterm presentation.pptx
+++ b/IoT midterm presentation.pptx
@@ -277,7 +277,7 @@
       </p15:notesGuideLst>
     </p:ext>
     <p:ext uri="http://customooxmlschemas.google.com/">
-      <go:slidesCustomData xmlns:go="http://customooxmlschemas.google.com/" xmlns:ahyp="http://schemas.microsoft.com/office/drawing/2018/hyperlinkcolor" xmlns:p15="http://schemas.microsoft.com/office/powerpoint/2012/main" xmlns:p14="http://schemas.microsoft.com/office/powerpoint/2010/main" xmlns:com="http://schemas.openxmlformats.org/drawingml/2006/compatibility" xmlns:pvml="urn:schemas-microsoft-com:office:powerpoint" xmlns:v="urn:schemas-microsoft-com:vml" xmlns:o="urn:schemas-microsoft-com:office:office" xmlns:dgm="http://schemas.openxmlformats.org/drawingml/2006/diagram" xmlns:c="http://schemas.openxmlformats.org/drawingml/2006/chart" xmlns:mv="urn:schemas-microsoft-com:mac:vml" xmlns:mc="http://schemas.openxmlformats.org/markup-compatibility/2006" xmlns="" r:id="rId10" roundtripDataSignature="AMtx7mhIVCKhCGkd0QHfOARwTtCSWg78Gg=="/>
+      <go:slidesCustomData xmlns="" xmlns:mc="http://schemas.openxmlformats.org/markup-compatibility/2006" xmlns:mv="urn:schemas-microsoft-com:mac:vml" xmlns:c="http://schemas.openxmlformats.org/drawingml/2006/chart" xmlns:dgm="http://schemas.openxmlformats.org/drawingml/2006/diagram" xmlns:o="urn:schemas-microsoft-com:office:office" xmlns:v="urn:schemas-microsoft-com:vml" xmlns:pvml="urn:schemas-microsoft-com:office:powerpoint" xmlns:com="http://schemas.openxmlformats.org/drawingml/2006/compatibility" xmlns:p14="http://schemas.microsoft.com/office/powerpoint/2010/main" xmlns:p15="http://schemas.microsoft.com/office/powerpoint/2012/main" xmlns:ahyp="http://schemas.microsoft.com/office/drawing/2018/hyperlinkcolor" xmlns:go="http://customooxmlschemas.google.com/" r:id="rId10" roundtripDataSignature="AMtx7mhIVCKhCGkd0QHfOARwTtCSWg78Gg=="/>
     </p:ext>
   </p:extLst>
 </p:presentation>
@@ -8788,14 +8788,12 @@
             <a:r>
               <a:rPr lang="en-US" dirty="0">
                 <a:solidFill>
-                  <a:srgbClr val="000000"/>
+                  <a:schemeClr val="tx1">
+                    <a:lumMod val="50000"/>
+                  </a:schemeClr>
                 </a:solidFill>
               </a:rPr>
-              <a:t>- </a:t>
-            </a:r>
-            <a:r>
-              <a:rPr lang="en-US" dirty="0"/>
-              <a:t>Life Cycle Assessment (LCA)</a:t>
+              <a:t>- Life Cycle Assessment (LCA)</a:t>
             </a:r>
             <a:br>
               <a:rPr lang="en-US" dirty="0">
@@ -9290,8 +9288,8 @@
               <a:buAutoNum type="arabicPeriod" startAt="4"/>
             </a:pPr>
             <a:r>
-              <a:rPr lang="en-US" sz="1600" dirty="0"/>
-              <a:t>Detailed consideration of two solutions</a:t>
+              <a:rPr lang="en-US" dirty="0"/>
+              <a:t>Detailed consideration of one or two solutions</a:t>
             </a:r>
           </a:p>
           <a:p>
@@ -9303,15 +9301,20 @@
               <a:buFont typeface="+mj-lt"/>
               <a:buAutoNum type="arabicPeriod" startAt="4"/>
             </a:pPr>
-            <a:endParaRPr lang="en-US" dirty="0"/>
-          </a:p>
-          <a:p>
-            <a:pPr marL="342900" lvl="1">
-              <a:lnSpc>
-                <a:spcPct val="102000"/>
-              </a:lnSpc>
+            <a:endParaRPr lang="en-US" sz="1600" b="1" dirty="0">
+              <a:solidFill>
+                <a:srgbClr val="000000"/>
+              </a:solidFill>
+            </a:endParaRPr>
+          </a:p>
+          <a:p>
+            <a:pPr marL="342900" indent="-342900">
+              <a:buClr>
+                <a:schemeClr val="accent6"/>
+              </a:buClr>
+              <a:buSzPts val="1800"/>
               <a:buFont typeface="+mj-lt"/>
-              <a:buAutoNum type="arabicPeriod" startAt="5"/>
+              <a:buAutoNum type="arabicPeriod" startAt="4"/>
             </a:pPr>
             <a:r>
               <a:rPr lang="en-US" b="1" dirty="0">
@@ -9329,7 +9332,7 @@
               </a:rPr>
             </a:br>
             <a:r>
-              <a:rPr lang="en-US" dirty="0">
+              <a:rPr lang="en-US" b="0" dirty="0">
                 <a:solidFill>
                   <a:srgbClr val="000000"/>
                 </a:solidFill>
@@ -9337,14 +9340,14 @@
               <a:t>- e-waste</a:t>
             </a:r>
             <a:br>
-              <a:rPr lang="en-US" dirty="0">
+              <a:rPr lang="en-US" b="0" dirty="0">
                 <a:solidFill>
                   <a:srgbClr val="000000"/>
                 </a:solidFill>
               </a:rPr>
             </a:br>
             <a:r>
-              <a:rPr lang="en-US" dirty="0">
+              <a:rPr lang="en-US" b="0" dirty="0">
                 <a:solidFill>
                   <a:srgbClr val="000000"/>
                 </a:solidFill>
@@ -9358,15 +9361,20 @@
                 </a:solidFill>
               </a:rPr>
             </a:br>
-            <a:endParaRPr lang="en-US" dirty="0"/>
-          </a:p>
-          <a:p>
-            <a:pPr marL="342900" lvl="1">
-              <a:lnSpc>
-                <a:spcPct val="102000"/>
-              </a:lnSpc>
+            <a:endParaRPr lang="en-US" b="0" dirty="0">
+              <a:solidFill>
+                <a:srgbClr val="404040"/>
+              </a:solidFill>
+            </a:endParaRPr>
+          </a:p>
+          <a:p>
+            <a:pPr marL="342900" indent="-342900">
+              <a:buClr>
+                <a:schemeClr val="accent6"/>
+              </a:buClr>
+              <a:buSzPts val="1800"/>
               <a:buFont typeface="+mj-lt"/>
-              <a:buAutoNum type="arabicPeriod" startAt="6"/>
+              <a:buAutoNum type="arabicPeriod" startAt="4"/>
             </a:pPr>
             <a:r>
               <a:rPr lang="en-US" b="1" dirty="0">
@@ -9384,27 +9392,27 @@
               </a:rPr>
             </a:br>
             <a:r>
-              <a:rPr lang="en-US" dirty="0">
+              <a:rPr lang="en-US" b="0" dirty="0">
                 <a:solidFill>
                   <a:srgbClr val="000000"/>
                 </a:solidFill>
               </a:rPr>
-              <a:t>- text</a:t>
+              <a:t>- Interpretations, Open issues</a:t>
             </a:r>
             <a:br>
-              <a:rPr lang="en-US" dirty="0">
+              <a:rPr lang="en-US" b="0" dirty="0">
                 <a:solidFill>
                   <a:srgbClr val="000000"/>
                 </a:solidFill>
               </a:rPr>
             </a:br>
             <a:r>
-              <a:rPr lang="en-US" dirty="0">
+              <a:rPr lang="en-US" b="0" dirty="0">
                 <a:solidFill>
                   <a:srgbClr val="000000"/>
                 </a:solidFill>
               </a:rPr>
-              <a:t>- Open issues</a:t>
+              <a:t>- Recommendations, Limitations</a:t>
             </a:r>
           </a:p>
           <a:p>
@@ -9437,46 +9445,7 @@
               </a:rPr>
               <a:t>Conclusion</a:t>
             </a:r>
-            <a:br>
-              <a:rPr lang="en-US" b="1" dirty="0">
-                <a:solidFill>
-                  <a:srgbClr val="000000"/>
-                </a:solidFill>
-              </a:rPr>
-            </a:br>
-            <a:r>
-              <a:rPr lang="en-US" dirty="0">
-                <a:solidFill>
-                  <a:srgbClr val="000000"/>
-                </a:solidFill>
-              </a:rPr>
-              <a:t>- Summary</a:t>
-            </a:r>
-            <a:br>
-              <a:rPr lang="en-US" dirty="0">
-                <a:solidFill>
-                  <a:srgbClr val="000000"/>
-                </a:solidFill>
-              </a:rPr>
-            </a:br>
-            <a:r>
-              <a:rPr lang="en-US" dirty="0">
-                <a:solidFill>
-                  <a:srgbClr val="000000"/>
-                </a:solidFill>
-              </a:rPr>
-              <a:t>- Limitations</a:t>
-            </a:r>
-          </a:p>
-          <a:p>
-            <a:pPr marL="342900" lvl="1">
-              <a:lnSpc>
-                <a:spcPct val="102000"/>
-              </a:lnSpc>
-              <a:buFont typeface="+mj-lt"/>
-              <a:buAutoNum type="arabicPeriod" startAt="6"/>
-            </a:pPr>
-            <a:endParaRPr lang="en-US" b="1" dirty="0">
+            <a:endParaRPr lang="en-US" dirty="0">
               <a:solidFill>
                 <a:srgbClr val="000000"/>
               </a:solidFill>
@@ -10178,15 +10147,7 @@
             </a:pPr>
             <a:r>
               <a:rPr lang="en-US" b="0" dirty="0"/>
-              <a:t>Inefficient food supply chain, large amount of food </a:t>
-            </a:r>
-            <a:r>
-              <a:rPr lang="en-US" b="0" dirty="0" err="1"/>
-              <a:t>waste,volumes</a:t>
-            </a:r>
-            <a:r>
-              <a:rPr lang="en-US" b="0" dirty="0"/>
-              <a:t> of water and energy used</a:t>
+              <a:t>inefficient food supply chain, large amount of food waste, volumes of water and energy used</a:t>
             </a:r>
           </a:p>
           <a:p>
@@ -10202,39 +10163,7 @@
             </a:pPr>
             <a:r>
               <a:rPr lang="en-US" b="0" dirty="0"/>
-              <a:t> increasing economic costs</a:t>
-            </a:r>
-          </a:p>
-          <a:p>
-            <a:pPr marL="285750" lvl="0" indent="-285750" algn="l" rtl="0">
-              <a:spcBef>
-                <a:spcPts val="500"/>
-              </a:spcBef>
-              <a:spcAft>
-                <a:spcPts val="0"/>
-              </a:spcAft>
-              <a:buFont typeface="Arial" panose="020B0604020202020204" pitchFamily="34" charset="0"/>
-              <a:buChar char="•"/>
-            </a:pPr>
-            <a:r>
-              <a:rPr lang="en-US" b="0" dirty="0"/>
-              <a:t>stricter regulations on the disposal and treatment of food waste, carbon emissions and wastewater</a:t>
-            </a:r>
-          </a:p>
-          <a:p>
-            <a:pPr marL="285750" lvl="0" indent="-285750" algn="l" rtl="0">
-              <a:spcBef>
-                <a:spcPts val="500"/>
-              </a:spcBef>
-              <a:spcAft>
-                <a:spcPts val="0"/>
-              </a:spcAft>
-              <a:buFont typeface="Arial" panose="020B0604020202020204" pitchFamily="34" charset="0"/>
-              <a:buChar char="•"/>
-            </a:pPr>
-            <a:r>
-              <a:rPr lang="en-US" b="0" dirty="0"/>
-              <a:t>discharge</a:t>
+              <a:t>stricter regulations on the disposal and treatment of food waste, carbon emissions and wastewater discharge</a:t>
             </a:r>
           </a:p>
           <a:p>
@@ -10747,8 +10676,13 @@
             </a:r>
             <a:r>
               <a:rPr lang="en-US" b="0" dirty="0"/>
-              <a:t>		Final presentation session</a:t>
-            </a:r>
+              <a:t>		</a:t>
+            </a:r>
+            <a:r>
+              <a:rPr lang="en-US" b="0"/>
+              <a:t>Final presentation</a:t>
+            </a:r>
+            <a:endParaRPr lang="en-US" b="0" dirty="0"/>
           </a:p>
           <a:p>
             <a:pPr marL="0" lvl="0" indent="0" algn="l" rtl="0">
